--- a/PPT/2DGP_Presentation_2_2015180030_LeeDongGyu.pptx
+++ b/PPT/2DGP_Presentation_2_2015180030_LeeDongGyu.pptx
@@ -3378,14 +3378,7 @@
                 <a:latin typeface="HY헤드라인M" panose="02030600000101010101" pitchFamily="18" charset="-127"/>
                 <a:ea typeface="HY헤드라인M" panose="02030600000101010101" pitchFamily="18" charset="-127"/>
               </a:rPr>
-              <a:t>차 </a:t>
-            </a:r>
-            <a:r>
-              <a:rPr lang="ko-KR" altLang="en-US" sz="1000" dirty="0" smtClean="0">
-                <a:latin typeface="HY헤드라인M" panose="02030600000101010101" pitchFamily="18" charset="-127"/>
-                <a:ea typeface="HY헤드라인M" panose="02030600000101010101" pitchFamily="18" charset="-127"/>
-              </a:rPr>
-              <a:t>프로젝트</a:t>
+              <a:t>차 프로젝트</a:t>
             </a:r>
             <a:endParaRPr lang="ko-KR" altLang="en-US" sz="1000" dirty="0">
               <a:latin typeface="HY헤드라인M" panose="02030600000101010101" pitchFamily="18" charset="-127"/>
@@ -3602,14 +3595,7 @@
                 <a:latin typeface="HY헤드라인M" panose="02030600000101010101" pitchFamily="18" charset="-127"/>
                 <a:ea typeface="HY헤드라인M" panose="02030600000101010101" pitchFamily="18" charset="-127"/>
               </a:rPr>
-              <a:t>차 </a:t>
-            </a:r>
-            <a:r>
-              <a:rPr lang="ko-KR" altLang="en-US" sz="1100" dirty="0" smtClean="0">
-                <a:latin typeface="HY헤드라인M" panose="02030600000101010101" pitchFamily="18" charset="-127"/>
-                <a:ea typeface="HY헤드라인M" panose="02030600000101010101" pitchFamily="18" charset="-127"/>
-              </a:rPr>
-              <a:t>프로젝트</a:t>
+              <a:t>차 프로젝트</a:t>
             </a:r>
             <a:endParaRPr lang="ko-KR" altLang="en-US" sz="1100" dirty="0">
               <a:latin typeface="HY헤드라인M" panose="02030600000101010101" pitchFamily="18" charset="-127"/>
@@ -4095,14 +4081,7 @@
                 <a:latin typeface="HY헤드라인M" panose="02030600000101010101" pitchFamily="18" charset="-127"/>
                 <a:ea typeface="HY헤드라인M" panose="02030600000101010101" pitchFamily="18" charset="-127"/>
               </a:rPr>
-              <a:t>차 </a:t>
-            </a:r>
-            <a:r>
-              <a:rPr lang="ko-KR" altLang="en-US" sz="1100" dirty="0" smtClean="0">
-                <a:latin typeface="HY헤드라인M" panose="02030600000101010101" pitchFamily="18" charset="-127"/>
-                <a:ea typeface="HY헤드라인M" panose="02030600000101010101" pitchFamily="18" charset="-127"/>
-              </a:rPr>
-              <a:t>프로젝트</a:t>
+              <a:t>차 프로젝트</a:t>
             </a:r>
             <a:endParaRPr lang="ko-KR" altLang="en-US" sz="1100" dirty="0">
               <a:latin typeface="HY헤드라인M" panose="02030600000101010101" pitchFamily="18" charset="-127"/>
@@ -5175,14 +5154,7 @@
                 <a:latin typeface="HY헤드라인M" panose="02030600000101010101" pitchFamily="18" charset="-127"/>
                 <a:ea typeface="HY헤드라인M" panose="02030600000101010101" pitchFamily="18" charset="-127"/>
               </a:rPr>
-              <a:t>차 </a:t>
-            </a:r>
-            <a:r>
-              <a:rPr lang="ko-KR" altLang="en-US" sz="1100" dirty="0" smtClean="0">
-                <a:latin typeface="HY헤드라인M" panose="02030600000101010101" pitchFamily="18" charset="-127"/>
-                <a:ea typeface="HY헤드라인M" panose="02030600000101010101" pitchFamily="18" charset="-127"/>
-              </a:rPr>
-              <a:t>프로젝트</a:t>
+              <a:t>차 프로젝트</a:t>
             </a:r>
             <a:endParaRPr lang="ko-KR" altLang="en-US" sz="1100" dirty="0">
               <a:latin typeface="HY헤드라인M" panose="02030600000101010101" pitchFamily="18" charset="-127"/>
@@ -6732,20 +6704,7 @@
                 <a:latin typeface="HY헤드라인M" panose="02030600000101010101" pitchFamily="18" charset="-127"/>
                 <a:ea typeface="HY헤드라인M" panose="02030600000101010101" pitchFamily="18" charset="-127"/>
               </a:rPr>
-              <a:t>Git</a:t>
-            </a:r>
-            <a:r>
-              <a:rPr lang="en-US" altLang="ko-KR" sz="2400" b="1" dirty="0" smtClean="0">
-                <a:solidFill>
-                  <a:schemeClr val="bg2">
-                    <a:lumMod val="20000"/>
-                    <a:lumOff val="80000"/>
-                  </a:schemeClr>
-                </a:solidFill>
-                <a:latin typeface="HY헤드라인M" panose="02030600000101010101" pitchFamily="18" charset="-127"/>
-                <a:ea typeface="HY헤드라인M" panose="02030600000101010101" pitchFamily="18" charset="-127"/>
-              </a:rPr>
-              <a:t>Hub Commit </a:t>
+              <a:t>GitHub Commit </a:t>
             </a:r>
             <a:r>
               <a:rPr lang="ko-KR" altLang="en-US" sz="2400" b="1" dirty="0" smtClean="0">
@@ -6831,14 +6790,7 @@
                 <a:latin typeface="HY헤드라인M" panose="02030600000101010101" pitchFamily="18" charset="-127"/>
                 <a:ea typeface="HY헤드라인M" panose="02030600000101010101" pitchFamily="18" charset="-127"/>
               </a:rPr>
-              <a:t>차 </a:t>
-            </a:r>
-            <a:r>
-              <a:rPr lang="ko-KR" altLang="en-US" sz="1100" dirty="0" smtClean="0">
-                <a:latin typeface="HY헤드라인M" panose="02030600000101010101" pitchFamily="18" charset="-127"/>
-                <a:ea typeface="HY헤드라인M" panose="02030600000101010101" pitchFamily="18" charset="-127"/>
-              </a:rPr>
-              <a:t>프로젝트</a:t>
+              <a:t>차 프로젝트</a:t>
             </a:r>
             <a:endParaRPr lang="ko-KR" altLang="en-US" sz="1100" dirty="0">
               <a:latin typeface="HY헤드라인M" panose="02030600000101010101" pitchFamily="18" charset="-127"/>
@@ -6847,36 +6799,6 @@
           </a:p>
         </p:txBody>
       </p:sp>
-      <p:pic>
-        <p:nvPicPr>
-          <p:cNvPr id="5" name="그림 4"/>
-          <p:cNvPicPr>
-            <a:picLocks noChangeAspect="1"/>
-          </p:cNvPicPr>
-          <p:nvPr/>
-        </p:nvPicPr>
-        <p:blipFill>
-          <a:blip r:embed="rId4">
-            <a:extLst>
-              <a:ext uri="{28A0092B-C50C-407E-A947-70E740481C1C}">
-                <a14:useLocalDpi xmlns:a14="http://schemas.microsoft.com/office/drawing/2010/main" val="0"/>
-              </a:ext>
-            </a:extLst>
-          </a:blip>
-          <a:stretch>
-            <a:fillRect/>
-          </a:stretch>
-        </p:blipFill>
-        <p:spPr>
-          <a:xfrm>
-            <a:off x="1493912" y="1628800"/>
-            <a:ext cx="6444208" cy="4655585"/>
-          </a:xfrm>
-          <a:prstGeom prst="rect">
-            <a:avLst/>
-          </a:prstGeom>
-        </p:spPr>
-      </p:pic>
     </p:spTree>
     <p:extLst>
       <p:ext uri="{BB962C8B-B14F-4D97-AF65-F5344CB8AC3E}">
@@ -7075,14 +6997,7 @@
                 <a:latin typeface="HY헤드라인M" panose="02030600000101010101" pitchFamily="18" charset="-127"/>
                 <a:ea typeface="HY헤드라인M" panose="02030600000101010101" pitchFamily="18" charset="-127"/>
               </a:rPr>
-              <a:t>차 </a:t>
-            </a:r>
-            <a:r>
-              <a:rPr lang="ko-KR" altLang="en-US" sz="1100" dirty="0" smtClean="0">
-                <a:latin typeface="HY헤드라인M" panose="02030600000101010101" pitchFamily="18" charset="-127"/>
-                <a:ea typeface="HY헤드라인M" panose="02030600000101010101" pitchFamily="18" charset="-127"/>
-              </a:rPr>
-              <a:t>프로젝트</a:t>
+              <a:t>차 프로젝트</a:t>
             </a:r>
             <a:endParaRPr lang="ko-KR" altLang="en-US" sz="1100" dirty="0">
               <a:latin typeface="HY헤드라인M" panose="02030600000101010101" pitchFamily="18" charset="-127"/>

--- a/PPT/2DGP_Presentation_2_2015180030_LeeDongGyu.pptx
+++ b/PPT/2DGP_Presentation_2_2015180030_LeeDongGyu.pptx
@@ -6799,6 +6799,36 @@
           </a:p>
         </p:txBody>
       </p:sp>
+      <p:pic>
+        <p:nvPicPr>
+          <p:cNvPr id="5" name="그림 4"/>
+          <p:cNvPicPr>
+            <a:picLocks noChangeAspect="1"/>
+          </p:cNvPicPr>
+          <p:nvPr/>
+        </p:nvPicPr>
+        <p:blipFill>
+          <a:blip r:embed="rId4">
+            <a:extLst>
+              <a:ext uri="{28A0092B-C50C-407E-A947-70E740481C1C}">
+                <a14:useLocalDpi xmlns:a14="http://schemas.microsoft.com/office/drawing/2010/main" val="0"/>
+              </a:ext>
+            </a:extLst>
+          </a:blip>
+          <a:stretch>
+            <a:fillRect/>
+          </a:stretch>
+        </p:blipFill>
+        <p:spPr>
+          <a:xfrm>
+            <a:off x="1385900" y="1628800"/>
+            <a:ext cx="6660232" cy="4702124"/>
+          </a:xfrm>
+          <a:prstGeom prst="rect">
+            <a:avLst/>
+          </a:prstGeom>
+        </p:spPr>
+      </p:pic>
     </p:spTree>
     <p:extLst>
       <p:ext uri="{BB962C8B-B14F-4D97-AF65-F5344CB8AC3E}">

--- a/PPT/2DGP_Presentation_2_2015180030_LeeDongGyu.pptx
+++ b/PPT/2DGP_Presentation_2_2015180030_LeeDongGyu.pptx
@@ -3338,7 +3338,7 @@
           <a:p>
             <a:r>
               <a:rPr lang="en-US" altLang="ko-KR" sz="1100" dirty="0" smtClean="0"/>
-              <a:t>2016.09.21</a:t>
+              <a:t>2016.10.20</a:t>
             </a:r>
             <a:endParaRPr lang="ko-KR" altLang="en-US" sz="1100" dirty="0"/>
           </a:p>
@@ -3397,6 +3397,13 @@
   <p:clrMapOvr>
     <a:masterClrMapping/>
   </p:clrMapOvr>
+  <p:timing>
+    <p:tnLst>
+      <p:par>
+        <p:cTn id="1" dur="indefinite" restart="never" nodeType="tmRoot"/>
+      </p:par>
+    </p:tnLst>
+  </p:timing>
 </p:sld>
 </file>
 
@@ -3896,6 +3903,13 @@
   <p:clrMapOvr>
     <a:masterClrMapping/>
   </p:clrMapOvr>
+  <p:timing>
+    <p:tnLst>
+      <p:par>
+        <p:cTn id="1" dur="indefinite" restart="never" nodeType="tmRoot"/>
+      </p:par>
+    </p:tnLst>
+  </p:timing>
 </p:sld>
 </file>
 
@@ -4969,6 +4983,13 @@
   <p:clrMapOvr>
     <a:masterClrMapping/>
   </p:clrMapOvr>
+  <p:timing>
+    <p:tnLst>
+      <p:par>
+        <p:cTn id="1" dur="indefinite" restart="never" nodeType="tmRoot"/>
+      </p:par>
+    </p:tnLst>
+  </p:timing>
 </p:sld>
 </file>
 
@@ -5172,7 +5193,7 @@
           <p:nvPr>
             <p:extLst>
               <p:ext uri="{D42A27DB-BD31-4B8C-83A1-F6EECF244321}">
-                <p14:modId xmlns:p14="http://schemas.microsoft.com/office/powerpoint/2010/main" val="3256700432"/>
+                <p14:modId xmlns:p14="http://schemas.microsoft.com/office/powerpoint/2010/main" val="1608823993"/>
               </p:ext>
             </p:extLst>
           </p:nvPr>
@@ -5319,7 +5340,14 @@
                           <a:latin typeface="맑은 고딕" panose="020B0503020000020004" pitchFamily="50" charset="-127"/>
                           <a:ea typeface="맑은 고딕" panose="020B0503020000020004" pitchFamily="50" charset="-127"/>
                         </a:rPr>
-                        <a:t>수집 포기</a:t>
+                        <a:t>수집 </a:t>
+                      </a:r>
+                      <a:r>
+                        <a:rPr lang="ko-KR" altLang="en-US" sz="1100" dirty="0" smtClean="0">
+                          <a:latin typeface="맑은 고딕" panose="020B0503020000020004" pitchFamily="50" charset="-127"/>
+                          <a:ea typeface="맑은 고딕" panose="020B0503020000020004" pitchFamily="50" charset="-127"/>
+                        </a:rPr>
+                        <a:t>실패</a:t>
                       </a:r>
                       <a:r>
                         <a:rPr lang="en-US" altLang="ko-KR" sz="1100" dirty="0" smtClean="0">
@@ -5849,18 +5877,47 @@
                     <a:bodyPr/>
                     <a:lstStyle/>
                     <a:p>
-                      <a:pPr latinLnBrk="1"/>
+                      <a:pPr marL="0" marR="0" indent="0" algn="l" defTabSz="914400" rtl="0" eaLnBrk="1" fontAlgn="auto" latinLnBrk="1" hangingPunct="1">
+                        <a:lnSpc>
+                          <a:spcPct val="100000"/>
+                        </a:lnSpc>
+                        <a:spcBef>
+                          <a:spcPts val="0"/>
+                        </a:spcBef>
+                        <a:spcAft>
+                          <a:spcPts val="0"/>
+                        </a:spcAft>
+                        <a:buClrTx/>
+                        <a:buSzTx/>
+                        <a:buFontTx/>
+                        <a:buNone/>
+                        <a:tabLst/>
+                        <a:defRPr/>
+                      </a:pPr>
                       <a:r>
                         <a:rPr lang="ko-KR" altLang="en-US" sz="1100" dirty="0" smtClean="0">
                           <a:latin typeface="맑은 고딕" panose="020B0503020000020004" pitchFamily="50" charset="-127"/>
                           <a:ea typeface="맑은 고딕" panose="020B0503020000020004" pitchFamily="50" charset="-127"/>
                         </a:rPr>
-                        <a:t>충돌체크 구현 완료</a:t>
-                      </a:r>
-                      <a:endParaRPr lang="ko-KR" altLang="en-US" sz="1100" dirty="0">
-                        <a:latin typeface="맑은 고딕" panose="020B0503020000020004" pitchFamily="50" charset="-127"/>
-                        <a:ea typeface="맑은 고딕" panose="020B0503020000020004" pitchFamily="50" charset="-127"/>
-                      </a:endParaRPr>
+                        <a:t>충돌체크 구현 </a:t>
+                      </a:r>
+                      <a:r>
+                        <a:rPr lang="ko-KR" altLang="en-US" sz="1100" dirty="0" smtClean="0">
+                          <a:latin typeface="맑은 고딕" panose="020B0503020000020004" pitchFamily="50" charset="-127"/>
+                          <a:ea typeface="맑은 고딕" panose="020B0503020000020004" pitchFamily="50" charset="-127"/>
+                        </a:rPr>
+                        <a:t>완료 </a:t>
+                      </a:r>
+                      <a:r>
+                        <a:rPr lang="ko-KR" altLang="en-US" sz="1100" dirty="0" smtClean="0">
+                          <a:solidFill>
+                            <a:srgbClr val="FF0000"/>
+                          </a:solidFill>
+                          <a:latin typeface="맑은 고딕" panose="020B0503020000020004" pitchFamily="50" charset="-127"/>
+                          <a:ea typeface="맑은 고딕" panose="020B0503020000020004" pitchFamily="50" charset="-127"/>
+                        </a:rPr>
+                        <a:t> 원 회전 잔상 추가 구현</a:t>
+                      </a:r>
                     </a:p>
                   </a:txBody>
                   <a:tcPr/>
@@ -6592,6 +6649,13 @@
   <p:clrMapOvr>
     <a:masterClrMapping/>
   </p:clrMapOvr>
+  <p:timing>
+    <p:tnLst>
+      <p:par>
+        <p:cTn id="1" dur="indefinite" restart="never" nodeType="tmRoot"/>
+      </p:par>
+    </p:tnLst>
+  </p:timing>
 </p:sld>
 </file>
 
@@ -6839,6 +6903,13 @@
   <p:clrMapOvr>
     <a:masterClrMapping/>
   </p:clrMapOvr>
+  <p:timing>
+    <p:tnLst>
+      <p:par>
+        <p:cTn id="1" dur="indefinite" restart="never" nodeType="tmRoot"/>
+      </p:par>
+    </p:tnLst>
+  </p:timing>
 </p:sld>
 </file>
 
@@ -6911,6 +6982,13 @@
   <p:clrMapOvr>
     <a:masterClrMapping/>
   </p:clrMapOvr>
+  <p:timing>
+    <p:tnLst>
+      <p:par>
+        <p:cTn id="1" dur="indefinite" restart="never" nodeType="tmRoot"/>
+      </p:par>
+    </p:tnLst>
+  </p:timing>
 </p:sld>
 </file>
 
@@ -7379,6 +7457,13 @@
   <p:clrMapOvr>
     <a:masterClrMapping/>
   </p:clrMapOvr>
+  <p:timing>
+    <p:tnLst>
+      <p:par>
+        <p:cTn id="1" dur="indefinite" restart="never" nodeType="tmRoot"/>
+      </p:par>
+    </p:tnLst>
+  </p:timing>
 </p:sld>
 </file>
 

--- a/PPT/2DGP_Presentation_2_2015180030_LeeDongGyu.pptx
+++ b/PPT/2DGP_Presentation_2_2015180030_LeeDongGyu.pptx
@@ -5340,14 +5340,7 @@
                           <a:latin typeface="맑은 고딕" panose="020B0503020000020004" pitchFamily="50" charset="-127"/>
                           <a:ea typeface="맑은 고딕" panose="020B0503020000020004" pitchFamily="50" charset="-127"/>
                         </a:rPr>
-                        <a:t>수집 </a:t>
-                      </a:r>
-                      <a:r>
-                        <a:rPr lang="ko-KR" altLang="en-US" sz="1100" dirty="0" smtClean="0">
-                          <a:latin typeface="맑은 고딕" panose="020B0503020000020004" pitchFamily="50" charset="-127"/>
-                          <a:ea typeface="맑은 고딕" panose="020B0503020000020004" pitchFamily="50" charset="-127"/>
-                        </a:rPr>
-                        <a:t>실패</a:t>
+                        <a:t>수집 실패</a:t>
                       </a:r>
                       <a:r>
                         <a:rPr lang="en-US" altLang="ko-KR" sz="1100" dirty="0" smtClean="0">
@@ -5899,14 +5892,7 @@
                           <a:latin typeface="맑은 고딕" panose="020B0503020000020004" pitchFamily="50" charset="-127"/>
                           <a:ea typeface="맑은 고딕" panose="020B0503020000020004" pitchFamily="50" charset="-127"/>
                         </a:rPr>
-                        <a:t>충돌체크 구현 </a:t>
-                      </a:r>
-                      <a:r>
-                        <a:rPr lang="ko-KR" altLang="en-US" sz="1100" dirty="0" smtClean="0">
-                          <a:latin typeface="맑은 고딕" panose="020B0503020000020004" pitchFamily="50" charset="-127"/>
-                          <a:ea typeface="맑은 고딕" panose="020B0503020000020004" pitchFamily="50" charset="-127"/>
-                        </a:rPr>
-                        <a:t>완료 </a:t>
+                        <a:t>충돌체크 구현 완료 </a:t>
                       </a:r>
                       <a:r>
                         <a:rPr lang="ko-KR" altLang="en-US" sz="1100" dirty="0" smtClean="0">
@@ -7192,7 +7178,7 @@
           <p:nvPr>
             <p:extLst>
               <p:ext uri="{D42A27DB-BD31-4B8C-83A1-F6EECF244321}">
-                <p14:modId xmlns:p14="http://schemas.microsoft.com/office/powerpoint/2010/main" val="3703051746"/>
+                <p14:modId xmlns:p14="http://schemas.microsoft.com/office/powerpoint/2010/main" val="273710399"/>
               </p:ext>
             </p:extLst>
           </p:nvPr>
@@ -7336,7 +7322,15 @@
                       <a:pPr algn="ctr" latinLnBrk="1"/>
                       <a:r>
                         <a:rPr lang="ko-KR" altLang="en-US" sz="1200" dirty="0" smtClean="0"/>
-                        <a:t>계획 대비 일정은 잘 지켰는가</a:t>
+                        <a:t>계획 </a:t>
+                      </a:r>
+                      <a:r>
+                        <a:rPr lang="ko-KR" altLang="en-US" sz="1200" dirty="0" smtClean="0"/>
+                        <a:t>일정은 </a:t>
+                      </a:r>
+                      <a:r>
+                        <a:rPr lang="ko-KR" altLang="en-US" sz="1200" dirty="0" smtClean="0"/>
+                        <a:t>잘 지켰는가</a:t>
                       </a:r>
                       <a:r>
                         <a:rPr lang="en-US" altLang="ko-KR" sz="1200" dirty="0" smtClean="0"/>
@@ -7372,15 +7366,7 @@
                       <a:pPr algn="ctr" latinLnBrk="1"/>
                       <a:r>
                         <a:rPr lang="ko-KR" altLang="en-US" sz="1200" dirty="0" smtClean="0"/>
-                        <a:t>게임 </a:t>
-                      </a:r>
-                      <a:r>
-                        <a:rPr lang="ko-KR" altLang="en-US" sz="1200" dirty="0" err="1" smtClean="0"/>
-                        <a:t>프로토</a:t>
-                      </a:r>
-                      <a:r>
-                        <a:rPr lang="ko-KR" altLang="en-US" sz="1200" dirty="0" smtClean="0"/>
-                        <a:t> 타입은 실행이 잘 되는가</a:t>
+                        <a:t>게임 실행 흐름이 잘 표현되었는가</a:t>
                       </a:r>
                       <a:r>
                         <a:rPr lang="en-US" altLang="ko-KR" sz="1200" dirty="0" smtClean="0"/>
@@ -7416,7 +7402,7 @@
                       <a:pPr algn="ctr" latinLnBrk="1"/>
                       <a:r>
                         <a:rPr lang="ko-KR" altLang="en-US" sz="1200" dirty="0" smtClean="0"/>
-                        <a:t>동영상의 화면과 소리 상태는 양호한가</a:t>
+                        <a:t>개발 계획이 구체적이며 실현 가능한가</a:t>
                       </a:r>
                       <a:r>
                         <a:rPr lang="en-US" altLang="ko-KR" sz="1200" dirty="0" smtClean="0"/>

--- a/PPT/2DGP_Presentation_2_2015180030_LeeDongGyu.pptx
+++ b/PPT/2DGP_Presentation_2_2015180030_LeeDongGyu.pptx
@@ -7171,21 +7171,21 @@
       </p:sp>
       <p:graphicFrame>
         <p:nvGraphicFramePr>
-          <p:cNvPr id="7" name="표 6"/>
+          <p:cNvPr id="8" name="표 7"/>
           <p:cNvGraphicFramePr>
             <a:graphicFrameLocks noGrp="1"/>
           </p:cNvGraphicFramePr>
           <p:nvPr>
             <p:extLst>
               <p:ext uri="{D42A27DB-BD31-4B8C-83A1-F6EECF244321}">
-                <p14:modId xmlns:p14="http://schemas.microsoft.com/office/powerpoint/2010/main" val="273710399"/>
+                <p14:modId xmlns:p14="http://schemas.microsoft.com/office/powerpoint/2010/main" val="2446404651"/>
               </p:ext>
             </p:extLst>
           </p:nvPr>
         </p:nvGraphicFramePr>
         <p:xfrm>
-          <a:off x="1178505" y="2132856"/>
-          <a:ext cx="7067868" cy="2075200"/>
+          <a:off x="1110074" y="2276872"/>
+          <a:ext cx="7067868" cy="2083584"/>
         </p:xfrm>
         <a:graphic>
           <a:graphicData uri="http://schemas.openxmlformats.org/drawingml/2006/table">
@@ -7197,7 +7197,7 @@
                 <a:gridCol w="3533934"/>
                 <a:gridCol w="3533934"/>
               </a:tblGrid>
-              <a:tr h="591840">
+              <a:tr h="600224">
                 <a:tc>
                   <a:txBody>
                     <a:bodyPr/>
@@ -7322,15 +7322,7 @@
                       <a:pPr algn="ctr" latinLnBrk="1"/>
                       <a:r>
                         <a:rPr lang="ko-KR" altLang="en-US" sz="1200" dirty="0" smtClean="0"/>
-                        <a:t>계획 </a:t>
-                      </a:r>
-                      <a:r>
-                        <a:rPr lang="ko-KR" altLang="en-US" sz="1200" dirty="0" smtClean="0"/>
-                        <a:t>일정은 </a:t>
-                      </a:r>
-                      <a:r>
-                        <a:rPr lang="ko-KR" altLang="en-US" sz="1200" dirty="0" smtClean="0"/>
-                        <a:t>잘 지켰는가</a:t>
+                        <a:t>계획 대비 일정은 잘 지켰는가</a:t>
                       </a:r>
                       <a:r>
                         <a:rPr lang="en-US" altLang="ko-KR" sz="1200" dirty="0" smtClean="0"/>
@@ -7366,7 +7358,15 @@
                       <a:pPr algn="ctr" latinLnBrk="1"/>
                       <a:r>
                         <a:rPr lang="ko-KR" altLang="en-US" sz="1200" dirty="0" smtClean="0"/>
-                        <a:t>게임 실행 흐름이 잘 표현되었는가</a:t>
+                        <a:t>게임 </a:t>
+                      </a:r>
+                      <a:r>
+                        <a:rPr lang="ko-KR" altLang="en-US" sz="1200" dirty="0" err="1" smtClean="0"/>
+                        <a:t>프로토</a:t>
+                      </a:r>
+                      <a:r>
+                        <a:rPr lang="ko-KR" altLang="en-US" sz="1200" dirty="0" smtClean="0"/>
+                        <a:t> 타입은 실행이 잘 되는가</a:t>
                       </a:r>
                       <a:r>
                         <a:rPr lang="en-US" altLang="ko-KR" sz="1200" dirty="0" smtClean="0"/>
@@ -7402,7 +7402,7 @@
                       <a:pPr algn="ctr" latinLnBrk="1"/>
                       <a:r>
                         <a:rPr lang="ko-KR" altLang="en-US" sz="1200" dirty="0" smtClean="0"/>
-                        <a:t>개발 계획이 구체적이며 실현 가능한가</a:t>
+                        <a:t>동영상의 화면과 소리 상태는 양호한가</a:t>
                       </a:r>
                       <a:r>
                         <a:rPr lang="en-US" altLang="ko-KR" sz="1200" dirty="0" smtClean="0"/>
